--- a/Lecture Slides/VideoLectureSlides/13.3.pptx
+++ b/Lecture Slides/VideoLectureSlides/13.3.pptx
@@ -5,7 +5,7 @@
     <p:sldMasterId id="2147483660" r:id="rId4"/>
   </p:sldMasterIdLst>
   <p:notesMasterIdLst>
-    <p:notesMasterId r:id="rId16"/>
+    <p:notesMasterId r:id="rId19"/>
   </p:notesMasterIdLst>
   <p:sldIdLst>
     <p:sldId id="256" r:id="rId5"/>
@@ -19,6 +19,9 @@
     <p:sldId id="260" r:id="rId13"/>
     <p:sldId id="265" r:id="rId14"/>
     <p:sldId id="264" r:id="rId15"/>
+    <p:sldId id="288" r:id="rId16"/>
+    <p:sldId id="289" r:id="rId17"/>
+    <p:sldId id="290" r:id="rId18"/>
   </p:sldIdLst>
   <p:sldSz cx="9144000" cy="6858000" type="screen4x3"/>
   <p:notesSz cx="6858000" cy="9144000"/>
@@ -232,7 +235,7 @@
           <a:p>
             <a:fld id="{1AA1AB63-216F-4D5B-8811-CCB935E98D4A}" type="datetimeFigureOut">
               <a:rPr lang="en-US" smtClean="0"/>
-              <a:t>12/30/2020</a:t>
+              <a:t>1/13/2022</a:t>
             </a:fld>
             <a:endParaRPr lang="en-US" dirty="0"/>
           </a:p>
@@ -5286,6 +5289,776 @@
     <p:extLst>
       <p:ext uri="{BB962C8B-B14F-4D97-AF65-F5344CB8AC3E}">
         <p14:creationId xmlns:p14="http://schemas.microsoft.com/office/powerpoint/2010/main" val="822970109"/>
+      </p:ext>
+    </p:extLst>
+  </p:cSld>
+  <p:clrMapOvr>
+    <a:masterClrMapping/>
+  </p:clrMapOvr>
+</p:sld>
+</file>
+
+<file path=ppt/slides/slide12.xml><?xml version="1.0" encoding="utf-8"?>
+<p:sld xmlns:a="http://schemas.openxmlformats.org/drawingml/2006/main" xmlns:r="http://schemas.openxmlformats.org/officeDocument/2006/relationships" xmlns:p="http://schemas.openxmlformats.org/presentationml/2006/main">
+  <p:cSld>
+    <p:spTree>
+      <p:nvGrpSpPr>
+        <p:cNvPr id="1" name=""/>
+        <p:cNvGrpSpPr/>
+        <p:nvPr/>
+      </p:nvGrpSpPr>
+      <p:grpSpPr>
+        <a:xfrm>
+          <a:off x="0" y="0"/>
+          <a:ext cx="0" cy="0"/>
+          <a:chOff x="0" y="0"/>
+          <a:chExt cx="0" cy="0"/>
+        </a:xfrm>
+      </p:grpSpPr>
+      <p:sp>
+        <p:nvSpPr>
+          <p:cNvPr id="2" name="Title 1">
+            <a:extLst>
+              <a:ext uri="{FF2B5EF4-FFF2-40B4-BE49-F238E27FC236}">
+                <a16:creationId xmlns:a16="http://schemas.microsoft.com/office/drawing/2014/main" id="{C9CA394A-28D9-4EA3-B894-E681F13A5D49}"/>
+              </a:ext>
+            </a:extLst>
+          </p:cNvPr>
+          <p:cNvSpPr>
+            <a:spLocks noGrp="1"/>
+          </p:cNvSpPr>
+          <p:nvPr>
+            <p:ph type="title"/>
+          </p:nvPr>
+        </p:nvSpPr>
+        <p:spPr/>
+        <p:txBody>
+          <a:bodyPr>
+            <a:normAutofit/>
+          </a:bodyPr>
+          <a:lstStyle/>
+          <a:p>
+            <a:r>
+              <a:rPr lang="en-US" dirty="0"/>
+              <a:t>Worked Example</a:t>
+            </a:r>
+          </a:p>
+        </p:txBody>
+      </p:sp>
+      <p:sp>
+        <p:nvSpPr>
+          <p:cNvPr id="3" name="Content Placeholder 2">
+            <a:extLst>
+              <a:ext uri="{FF2B5EF4-FFF2-40B4-BE49-F238E27FC236}">
+                <a16:creationId xmlns:a16="http://schemas.microsoft.com/office/drawing/2014/main" id="{084B1A04-2445-439B-BEA0-748F4C28315B}"/>
+              </a:ext>
+            </a:extLst>
+          </p:cNvPr>
+          <p:cNvSpPr>
+            <a:spLocks noGrp="1"/>
+          </p:cNvSpPr>
+          <p:nvPr>
+            <p:ph idx="1"/>
+          </p:nvPr>
+        </p:nvSpPr>
+        <p:spPr>
+          <a:xfrm>
+            <a:off x="457200" y="1600201"/>
+            <a:ext cx="7772400" cy="2209799"/>
+          </a:xfrm>
+        </p:spPr>
+        <p:txBody>
+          <a:bodyPr>
+            <a:normAutofit fontScale="70000" lnSpcReduction="20000"/>
+          </a:bodyPr>
+          <a:lstStyle/>
+          <a:p>
+            <a:pPr algn="just"/>
+            <a:r>
+              <a:rPr lang="en-US" b="0" i="0" dirty="0">
+                <a:solidFill>
+                  <a:srgbClr val="000000"/>
+                </a:solidFill>
+                <a:effectLst/>
+                <a:latin typeface="Arial" panose="020B0604020202020204" pitchFamily="34" charset="0"/>
+              </a:rPr>
+              <a:t>Three slender rods with equal mass are welded together. If the assembly is released from rest, what is the angular acceleration of the rods? The rods have a mass of m=2kg each. Rod AB has a length </a:t>
+            </a:r>
+            <a:r>
+              <a:rPr lang="en-US" b="0" i="0" dirty="0" err="1">
+                <a:solidFill>
+                  <a:srgbClr val="000000"/>
+                </a:solidFill>
+                <a:effectLst/>
+                <a:latin typeface="Arial" panose="020B0604020202020204" pitchFamily="34" charset="0"/>
+              </a:rPr>
+              <a:t>l</a:t>
+            </a:r>
+            <a:r>
+              <a:rPr lang="en-US" b="0" i="0" baseline="-25000" dirty="0" err="1">
+                <a:solidFill>
+                  <a:srgbClr val="000000"/>
+                </a:solidFill>
+                <a:effectLst/>
+                <a:latin typeface="Arial" panose="020B0604020202020204" pitchFamily="34" charset="0"/>
+              </a:rPr>
+              <a:t>AB</a:t>
+            </a:r>
+            <a:r>
+              <a:rPr lang="en-US" b="0" i="0" dirty="0">
+                <a:solidFill>
+                  <a:srgbClr val="000000"/>
+                </a:solidFill>
+                <a:effectLst/>
+                <a:latin typeface="Arial" panose="020B0604020202020204" pitchFamily="34" charset="0"/>
+              </a:rPr>
+              <a:t>=1.5m, rod BC has length </a:t>
+            </a:r>
+            <a:r>
+              <a:rPr lang="en-US" b="0" i="0" dirty="0" err="1">
+                <a:solidFill>
+                  <a:srgbClr val="000000"/>
+                </a:solidFill>
+                <a:effectLst/>
+                <a:latin typeface="Arial" panose="020B0604020202020204" pitchFamily="34" charset="0"/>
+              </a:rPr>
+              <a:t>l</a:t>
+            </a:r>
+            <a:r>
+              <a:rPr lang="en-US" b="0" i="0" baseline="-25000" dirty="0" err="1">
+                <a:solidFill>
+                  <a:srgbClr val="000000"/>
+                </a:solidFill>
+                <a:effectLst/>
+                <a:latin typeface="Arial" panose="020B0604020202020204" pitchFamily="34" charset="0"/>
+              </a:rPr>
+              <a:t>BC</a:t>
+            </a:r>
+            <a:r>
+              <a:rPr lang="en-US" b="0" i="0" dirty="0">
+                <a:solidFill>
+                  <a:srgbClr val="000000"/>
+                </a:solidFill>
+                <a:effectLst/>
+                <a:latin typeface="Arial" panose="020B0604020202020204" pitchFamily="34" charset="0"/>
+              </a:rPr>
+              <a:t>=1m, and rod CD has length </a:t>
+            </a:r>
+            <a:r>
+              <a:rPr lang="en-US" b="0" i="0" dirty="0" err="1">
+                <a:solidFill>
+                  <a:srgbClr val="000000"/>
+                </a:solidFill>
+                <a:effectLst/>
+                <a:latin typeface="Arial" panose="020B0604020202020204" pitchFamily="34" charset="0"/>
+              </a:rPr>
+              <a:t>l</a:t>
+            </a:r>
+            <a:r>
+              <a:rPr lang="en-US" b="0" i="0" baseline="-25000" dirty="0" err="1">
+                <a:solidFill>
+                  <a:srgbClr val="000000"/>
+                </a:solidFill>
+                <a:effectLst/>
+                <a:latin typeface="Arial" panose="020B0604020202020204" pitchFamily="34" charset="0"/>
+              </a:rPr>
+              <a:t>CD</a:t>
+            </a:r>
+            <a:r>
+              <a:rPr lang="en-US" b="0" i="0" dirty="0">
+                <a:solidFill>
+                  <a:srgbClr val="000000"/>
+                </a:solidFill>
+                <a:effectLst/>
+                <a:latin typeface="Arial" panose="020B0604020202020204" pitchFamily="34" charset="0"/>
+              </a:rPr>
+              <a:t>=0.5m. Initially, rod AD and rod CD are perfectly horizontal. Rod BC forms an angle of θ=45deg with rod AB.</a:t>
+            </a:r>
+          </a:p>
+          <a:p>
+            <a:endParaRPr lang="en-US" dirty="0"/>
+          </a:p>
+        </p:txBody>
+      </p:sp>
+      <p:pic>
+        <p:nvPicPr>
+          <p:cNvPr id="1026" name="Picture 2" descr="Problem 3 Diagram">
+            <a:extLst>
+              <a:ext uri="{FF2B5EF4-FFF2-40B4-BE49-F238E27FC236}">
+                <a16:creationId xmlns:a16="http://schemas.microsoft.com/office/drawing/2014/main" id="{79FB5DB6-C1C4-47F9-8850-62C84CBEF62B}"/>
+              </a:ext>
+            </a:extLst>
+          </p:cNvPr>
+          <p:cNvPicPr>
+            <a:picLocks noChangeAspect="1" noChangeArrowheads="1"/>
+          </p:cNvPicPr>
+          <p:nvPr/>
+        </p:nvPicPr>
+        <p:blipFill>
+          <a:blip r:embed="rId2" cstate="print">
+            <a:extLst>
+              <a:ext uri="{28A0092B-C50C-407E-A947-70E740481C1C}">
+                <a14:useLocalDpi xmlns:a14="http://schemas.microsoft.com/office/drawing/2010/main" val="0"/>
+              </a:ext>
+            </a:extLst>
+          </a:blip>
+          <a:srcRect/>
+          <a:stretch>
+            <a:fillRect/>
+          </a:stretch>
+        </p:blipFill>
+        <p:spPr bwMode="auto">
+          <a:xfrm>
+            <a:off x="2286000" y="3505200"/>
+            <a:ext cx="4163060" cy="3352800"/>
+          </a:xfrm>
+          <a:prstGeom prst="rect">
+            <a:avLst/>
+          </a:prstGeom>
+          <a:noFill/>
+          <a:extLst>
+            <a:ext uri="{909E8E84-426E-40DD-AFC4-6F175D3DCCD1}">
+              <a14:hiddenFill xmlns:a14="http://schemas.microsoft.com/office/drawing/2010/main">
+                <a:solidFill>
+                  <a:srgbClr val="FFFFFF"/>
+                </a:solidFill>
+              </a14:hiddenFill>
+            </a:ext>
+          </a:extLst>
+        </p:spPr>
+      </p:pic>
+    </p:spTree>
+    <p:extLst>
+      <p:ext uri="{BB962C8B-B14F-4D97-AF65-F5344CB8AC3E}">
+        <p14:creationId xmlns:p14="http://schemas.microsoft.com/office/powerpoint/2010/main" val="3549274534"/>
+      </p:ext>
+    </p:extLst>
+  </p:cSld>
+  <p:clrMapOvr>
+    <a:masterClrMapping/>
+  </p:clrMapOvr>
+</p:sld>
+</file>
+
+<file path=ppt/slides/slide13.xml><?xml version="1.0" encoding="utf-8"?>
+<p:sld xmlns:a="http://schemas.openxmlformats.org/drawingml/2006/main" xmlns:r="http://schemas.openxmlformats.org/officeDocument/2006/relationships" xmlns:p="http://schemas.openxmlformats.org/presentationml/2006/main">
+  <p:cSld>
+    <p:spTree>
+      <p:nvGrpSpPr>
+        <p:cNvPr id="1" name=""/>
+        <p:cNvGrpSpPr/>
+        <p:nvPr/>
+      </p:nvGrpSpPr>
+      <p:grpSpPr>
+        <a:xfrm>
+          <a:off x="0" y="0"/>
+          <a:ext cx="0" cy="0"/>
+          <a:chOff x="0" y="0"/>
+          <a:chExt cx="0" cy="0"/>
+        </a:xfrm>
+      </p:grpSpPr>
+      <p:sp>
+        <p:nvSpPr>
+          <p:cNvPr id="2" name="Title 1">
+            <a:extLst>
+              <a:ext uri="{FF2B5EF4-FFF2-40B4-BE49-F238E27FC236}">
+                <a16:creationId xmlns:a16="http://schemas.microsoft.com/office/drawing/2014/main" id="{C9CA394A-28D9-4EA3-B894-E681F13A5D49}"/>
+              </a:ext>
+            </a:extLst>
+          </p:cNvPr>
+          <p:cNvSpPr>
+            <a:spLocks noGrp="1"/>
+          </p:cNvSpPr>
+          <p:nvPr>
+            <p:ph type="title"/>
+          </p:nvPr>
+        </p:nvSpPr>
+        <p:spPr/>
+        <p:txBody>
+          <a:bodyPr>
+            <a:normAutofit/>
+          </a:bodyPr>
+          <a:lstStyle/>
+          <a:p>
+            <a:r>
+              <a:rPr lang="en-US" dirty="0"/>
+              <a:t>Worked Example</a:t>
+            </a:r>
+          </a:p>
+        </p:txBody>
+      </p:sp>
+      <p:sp>
+        <p:nvSpPr>
+          <p:cNvPr id="3" name="Content Placeholder 2">
+            <a:extLst>
+              <a:ext uri="{FF2B5EF4-FFF2-40B4-BE49-F238E27FC236}">
+                <a16:creationId xmlns:a16="http://schemas.microsoft.com/office/drawing/2014/main" id="{084B1A04-2445-439B-BEA0-748F4C28315B}"/>
+              </a:ext>
+            </a:extLst>
+          </p:cNvPr>
+          <p:cNvSpPr>
+            <a:spLocks noGrp="1"/>
+          </p:cNvSpPr>
+          <p:nvPr>
+            <p:ph idx="1"/>
+          </p:nvPr>
+        </p:nvSpPr>
+        <p:spPr>
+          <a:xfrm>
+            <a:off x="457200" y="1600201"/>
+            <a:ext cx="4191000" cy="4490736"/>
+          </a:xfrm>
+        </p:spPr>
+        <p:txBody>
+          <a:bodyPr>
+            <a:normAutofit fontScale="55000" lnSpcReduction="20000"/>
+          </a:bodyPr>
+          <a:lstStyle/>
+          <a:p>
+            <a:r>
+              <a:rPr lang="en-US" b="0" i="0" dirty="0">
+                <a:solidFill>
+                  <a:srgbClr val="000000"/>
+                </a:solidFill>
+                <a:effectLst/>
+                <a:latin typeface="Arial" panose="020B0604020202020204" pitchFamily="34" charset="0"/>
+              </a:rPr>
+              <a:t>Your friend is once again trying to move their mom’s modern art sculpture by dragging a rug underneath it. Will the statue tip or slip first? Determine the magnitude of the acceleration needed for both tipping and slipping. The statue has a mass of m=80kg and has a radius of gyration </a:t>
+            </a:r>
+            <a:r>
+              <a:rPr lang="en-US" b="0" i="0" dirty="0" err="1">
+                <a:solidFill>
+                  <a:srgbClr val="000000"/>
+                </a:solidFill>
+                <a:effectLst/>
+                <a:latin typeface="Arial" panose="020B0604020202020204" pitchFamily="34" charset="0"/>
+              </a:rPr>
+              <a:t>k</a:t>
+            </a:r>
+            <a:r>
+              <a:rPr lang="en-US" b="0" i="0" baseline="-25000" dirty="0" err="1">
+                <a:solidFill>
+                  <a:srgbClr val="000000"/>
+                </a:solidFill>
+                <a:effectLst/>
+                <a:latin typeface="Arial" panose="020B0604020202020204" pitchFamily="34" charset="0"/>
+              </a:rPr>
+              <a:t>G</a:t>
+            </a:r>
+            <a:r>
+              <a:rPr lang="en-US" b="0" i="0" dirty="0">
+                <a:solidFill>
+                  <a:srgbClr val="000000"/>
+                </a:solidFill>
+                <a:effectLst/>
+                <a:latin typeface="Arial" panose="020B0604020202020204" pitchFamily="34" charset="0"/>
+              </a:rPr>
+              <a:t>=0.8m. The coefficient of static and kinetic friction are determined to be </a:t>
+            </a:r>
+            <a:r>
+              <a:rPr lang="en-US" b="0" i="0" dirty="0" err="1">
+                <a:solidFill>
+                  <a:srgbClr val="000000"/>
+                </a:solidFill>
+                <a:effectLst/>
+                <a:latin typeface="Arial" panose="020B0604020202020204" pitchFamily="34" charset="0"/>
+              </a:rPr>
+              <a:t>μ</a:t>
+            </a:r>
+            <a:r>
+              <a:rPr lang="en-US" b="0" i="0" baseline="-25000" dirty="0" err="1">
+                <a:solidFill>
+                  <a:srgbClr val="000000"/>
+                </a:solidFill>
+                <a:effectLst/>
+                <a:latin typeface="Arial" panose="020B0604020202020204" pitchFamily="34" charset="0"/>
+              </a:rPr>
+              <a:t>s</a:t>
+            </a:r>
+            <a:r>
+              <a:rPr lang="en-US" b="0" i="0" dirty="0">
+                <a:solidFill>
+                  <a:srgbClr val="000000"/>
+                </a:solidFill>
+                <a:effectLst/>
+                <a:latin typeface="Arial" panose="020B0604020202020204" pitchFamily="34" charset="0"/>
+              </a:rPr>
+              <a:t>=0.25 and </a:t>
+            </a:r>
+            <a:r>
+              <a:rPr lang="en-US" b="0" i="0" dirty="0" err="1">
+                <a:solidFill>
+                  <a:srgbClr val="000000"/>
+                </a:solidFill>
+                <a:effectLst/>
+                <a:latin typeface="Arial" panose="020B0604020202020204" pitchFamily="34" charset="0"/>
+              </a:rPr>
+              <a:t>μ</a:t>
+            </a:r>
+            <a:r>
+              <a:rPr lang="en-US" b="0" i="0" baseline="-25000" dirty="0" err="1">
+                <a:solidFill>
+                  <a:srgbClr val="000000"/>
+                </a:solidFill>
+                <a:effectLst/>
+                <a:latin typeface="Arial" panose="020B0604020202020204" pitchFamily="34" charset="0"/>
+              </a:rPr>
+              <a:t>K</a:t>
+            </a:r>
+            <a:r>
+              <a:rPr lang="en-US" b="0" i="0" dirty="0">
+                <a:solidFill>
+                  <a:srgbClr val="000000"/>
+                </a:solidFill>
+                <a:effectLst/>
+                <a:latin typeface="Arial" panose="020B0604020202020204" pitchFamily="34" charset="0"/>
+              </a:rPr>
+              <a:t>=0.2 respectively. Assume there is no friction between the rug and the ground. The center of gravity G is found a height h=1.5m and is a horizontal distance </a:t>
+            </a:r>
+            <a:r>
+              <a:rPr lang="en-US" b="0" i="0" dirty="0" err="1">
+                <a:solidFill>
+                  <a:srgbClr val="000000"/>
+                </a:solidFill>
+                <a:effectLst/>
+                <a:latin typeface="Arial" panose="020B0604020202020204" pitchFamily="34" charset="0"/>
+              </a:rPr>
+              <a:t>d</a:t>
+            </a:r>
+            <a:r>
+              <a:rPr lang="en-US" b="0" i="0" baseline="-25000" dirty="0" err="1">
+                <a:solidFill>
+                  <a:srgbClr val="000000"/>
+                </a:solidFill>
+                <a:effectLst/>
+                <a:latin typeface="Arial" panose="020B0604020202020204" pitchFamily="34" charset="0"/>
+              </a:rPr>
+              <a:t>A</a:t>
+            </a:r>
+            <a:r>
+              <a:rPr lang="en-US" b="0" i="0" dirty="0">
+                <a:solidFill>
+                  <a:srgbClr val="000000"/>
+                </a:solidFill>
+                <a:effectLst/>
+                <a:latin typeface="Arial" panose="020B0604020202020204" pitchFamily="34" charset="0"/>
+              </a:rPr>
+              <a:t>=0.1m from point A. Point B is a horizontal distance d</a:t>
+            </a:r>
+            <a:r>
+              <a:rPr lang="en-US" b="0" i="0" baseline="-25000" dirty="0">
+                <a:solidFill>
+                  <a:srgbClr val="000000"/>
+                </a:solidFill>
+                <a:effectLst/>
+                <a:latin typeface="Arial" panose="020B0604020202020204" pitchFamily="34" charset="0"/>
+              </a:rPr>
+              <a:t>B</a:t>
+            </a:r>
+            <a:r>
+              <a:rPr lang="en-US" b="0" i="0" dirty="0">
+                <a:solidFill>
+                  <a:srgbClr val="000000"/>
+                </a:solidFill>
+                <a:effectLst/>
+                <a:latin typeface="Arial" panose="020B0604020202020204" pitchFamily="34" charset="0"/>
+              </a:rPr>
+              <a:t>=0.35m away from the center of gravity.</a:t>
+            </a:r>
+            <a:endParaRPr lang="en-US" dirty="0"/>
+          </a:p>
+        </p:txBody>
+      </p:sp>
+      <p:pic>
+        <p:nvPicPr>
+          <p:cNvPr id="2050" name="Picture 2" descr="Problem 3 Diagram">
+            <a:extLst>
+              <a:ext uri="{FF2B5EF4-FFF2-40B4-BE49-F238E27FC236}">
+                <a16:creationId xmlns:a16="http://schemas.microsoft.com/office/drawing/2014/main" id="{55E79D71-D373-4305-9A61-42DF4D71C2FB}"/>
+              </a:ext>
+            </a:extLst>
+          </p:cNvPr>
+          <p:cNvPicPr>
+            <a:picLocks noChangeAspect="1" noChangeArrowheads="1"/>
+          </p:cNvPicPr>
+          <p:nvPr/>
+        </p:nvPicPr>
+        <p:blipFill>
+          <a:blip r:embed="rId2" cstate="print">
+            <a:extLst>
+              <a:ext uri="{28A0092B-C50C-407E-A947-70E740481C1C}">
+                <a14:useLocalDpi xmlns:a14="http://schemas.microsoft.com/office/drawing/2010/main" val="0"/>
+              </a:ext>
+            </a:extLst>
+          </a:blip>
+          <a:srcRect/>
+          <a:stretch>
+            <a:fillRect/>
+          </a:stretch>
+        </p:blipFill>
+        <p:spPr bwMode="auto">
+          <a:xfrm>
+            <a:off x="4191000" y="1902469"/>
+            <a:ext cx="4793880" cy="3886200"/>
+          </a:xfrm>
+          <a:prstGeom prst="rect">
+            <a:avLst/>
+          </a:prstGeom>
+          <a:noFill/>
+          <a:extLst>
+            <a:ext uri="{909E8E84-426E-40DD-AFC4-6F175D3DCCD1}">
+              <a14:hiddenFill xmlns:a14="http://schemas.microsoft.com/office/drawing/2010/main">
+                <a:solidFill>
+                  <a:srgbClr val="FFFFFF"/>
+                </a:solidFill>
+              </a14:hiddenFill>
+            </a:ext>
+          </a:extLst>
+        </p:spPr>
+      </p:pic>
+    </p:spTree>
+    <p:extLst>
+      <p:ext uri="{BB962C8B-B14F-4D97-AF65-F5344CB8AC3E}">
+        <p14:creationId xmlns:p14="http://schemas.microsoft.com/office/powerpoint/2010/main" val="2362059325"/>
+      </p:ext>
+    </p:extLst>
+  </p:cSld>
+  <p:clrMapOvr>
+    <a:masterClrMapping/>
+  </p:clrMapOvr>
+</p:sld>
+</file>
+
+<file path=ppt/slides/slide14.xml><?xml version="1.0" encoding="utf-8"?>
+<p:sld xmlns:a="http://schemas.openxmlformats.org/drawingml/2006/main" xmlns:r="http://schemas.openxmlformats.org/officeDocument/2006/relationships" xmlns:p="http://schemas.openxmlformats.org/presentationml/2006/main">
+  <p:cSld>
+    <p:spTree>
+      <p:nvGrpSpPr>
+        <p:cNvPr id="1" name=""/>
+        <p:cNvGrpSpPr/>
+        <p:nvPr/>
+      </p:nvGrpSpPr>
+      <p:grpSpPr>
+        <a:xfrm>
+          <a:off x="0" y="0"/>
+          <a:ext cx="0" cy="0"/>
+          <a:chOff x="0" y="0"/>
+          <a:chExt cx="0" cy="0"/>
+        </a:xfrm>
+      </p:grpSpPr>
+      <p:sp>
+        <p:nvSpPr>
+          <p:cNvPr id="2" name="Title 1">
+            <a:extLst>
+              <a:ext uri="{FF2B5EF4-FFF2-40B4-BE49-F238E27FC236}">
+                <a16:creationId xmlns:a16="http://schemas.microsoft.com/office/drawing/2014/main" id="{C9CA394A-28D9-4EA3-B894-E681F13A5D49}"/>
+              </a:ext>
+            </a:extLst>
+          </p:cNvPr>
+          <p:cNvSpPr>
+            <a:spLocks noGrp="1"/>
+          </p:cNvSpPr>
+          <p:nvPr>
+            <p:ph type="title"/>
+          </p:nvPr>
+        </p:nvSpPr>
+        <p:spPr/>
+        <p:txBody>
+          <a:bodyPr>
+            <a:normAutofit/>
+          </a:bodyPr>
+          <a:lstStyle/>
+          <a:p>
+            <a:r>
+              <a:rPr lang="en-US" dirty="0"/>
+              <a:t>Worked Example</a:t>
+            </a:r>
+          </a:p>
+        </p:txBody>
+      </p:sp>
+      <p:sp>
+        <p:nvSpPr>
+          <p:cNvPr id="3" name="Content Placeholder 2">
+            <a:extLst>
+              <a:ext uri="{FF2B5EF4-FFF2-40B4-BE49-F238E27FC236}">
+                <a16:creationId xmlns:a16="http://schemas.microsoft.com/office/drawing/2014/main" id="{084B1A04-2445-439B-BEA0-748F4C28315B}"/>
+              </a:ext>
+            </a:extLst>
+          </p:cNvPr>
+          <p:cNvSpPr>
+            <a:spLocks noGrp="1"/>
+          </p:cNvSpPr>
+          <p:nvPr>
+            <p:ph idx="1"/>
+          </p:nvPr>
+        </p:nvSpPr>
+        <p:spPr>
+          <a:xfrm>
+            <a:off x="457200" y="1600200"/>
+            <a:ext cx="5029200" cy="4495800"/>
+          </a:xfrm>
+        </p:spPr>
+        <p:txBody>
+          <a:bodyPr>
+            <a:normAutofit fontScale="55000" lnSpcReduction="20000"/>
+          </a:bodyPr>
+          <a:lstStyle/>
+          <a:p>
+            <a:r>
+              <a:rPr lang="en-US" b="0" i="0" dirty="0">
+                <a:solidFill>
+                  <a:srgbClr val="000000"/>
+                </a:solidFill>
+                <a:effectLst/>
+                <a:latin typeface="Arial" panose="020B0604020202020204" pitchFamily="34" charset="0"/>
+              </a:rPr>
+              <a:t>A mechanical engineering student has been practicing his yo-yo tricks because he has too much free time. For one trick, he spins the yo-yo such that it contacts the ground and moves forward, emulating someone walking their dog. If the yo-yo has a radius of gyration </a:t>
+            </a:r>
+            <a:r>
+              <a:rPr lang="en-US" b="0" i="0" dirty="0" err="1">
+                <a:solidFill>
+                  <a:srgbClr val="000000"/>
+                </a:solidFill>
+                <a:effectLst/>
+                <a:latin typeface="Arial" panose="020B0604020202020204" pitchFamily="34" charset="0"/>
+              </a:rPr>
+              <a:t>k</a:t>
+            </a:r>
+            <a:r>
+              <a:rPr lang="en-US" b="0" i="0" baseline="-25000" dirty="0" err="1">
+                <a:solidFill>
+                  <a:srgbClr val="000000"/>
+                </a:solidFill>
+                <a:effectLst/>
+                <a:latin typeface="Arial" panose="020B0604020202020204" pitchFamily="34" charset="0"/>
+              </a:rPr>
+              <a:t>G</a:t>
+            </a:r>
+            <a:r>
+              <a:rPr lang="en-US" b="0" i="0" dirty="0">
+                <a:solidFill>
+                  <a:srgbClr val="000000"/>
+                </a:solidFill>
+                <a:effectLst/>
+                <a:latin typeface="Arial" panose="020B0604020202020204" pitchFamily="34" charset="0"/>
+              </a:rPr>
+              <a:t>=0.02m and a mass of m=0.2kg, determine the acceleration and angular acceleration of the yo-yo when the tension in the string is found to be T=0.4N. Assume the string is at its full extent and does not roll up as the yo-yo rolls. Assume there is also no friction where the string slips around the yo-yo’s inner axle. The coefficient of static and kinetic friction are found to be </a:t>
+            </a:r>
+            <a:r>
+              <a:rPr lang="en-US" b="0" i="0" dirty="0" err="1">
+                <a:solidFill>
+                  <a:srgbClr val="000000"/>
+                </a:solidFill>
+                <a:effectLst/>
+                <a:latin typeface="Arial" panose="020B0604020202020204" pitchFamily="34" charset="0"/>
+              </a:rPr>
+              <a:t>μ</a:t>
+            </a:r>
+            <a:r>
+              <a:rPr lang="en-US" b="0" i="0" baseline="-25000" dirty="0" err="1">
+                <a:solidFill>
+                  <a:srgbClr val="000000"/>
+                </a:solidFill>
+                <a:effectLst/>
+                <a:latin typeface="Arial" panose="020B0604020202020204" pitchFamily="34" charset="0"/>
+              </a:rPr>
+              <a:t>s</a:t>
+            </a:r>
+            <a:r>
+              <a:rPr lang="en-US" b="0" i="0" dirty="0">
+                <a:solidFill>
+                  <a:srgbClr val="000000"/>
+                </a:solidFill>
+                <a:effectLst/>
+                <a:latin typeface="Arial" panose="020B0604020202020204" pitchFamily="34" charset="0"/>
+              </a:rPr>
+              <a:t>=0.3 and </a:t>
+            </a:r>
+            <a:r>
+              <a:rPr lang="en-US" b="0" i="0" dirty="0" err="1">
+                <a:solidFill>
+                  <a:srgbClr val="000000"/>
+                </a:solidFill>
+                <a:effectLst/>
+                <a:latin typeface="Arial" panose="020B0604020202020204" pitchFamily="34" charset="0"/>
+              </a:rPr>
+              <a:t>μ</a:t>
+            </a:r>
+            <a:r>
+              <a:rPr lang="en-US" b="0" i="0" baseline="-25000" dirty="0" err="1">
+                <a:solidFill>
+                  <a:srgbClr val="000000"/>
+                </a:solidFill>
+                <a:effectLst/>
+                <a:latin typeface="Arial" panose="020B0604020202020204" pitchFamily="34" charset="0"/>
+              </a:rPr>
+              <a:t>K</a:t>
+            </a:r>
+            <a:r>
+              <a:rPr lang="en-US" b="0" i="0" dirty="0">
+                <a:solidFill>
+                  <a:srgbClr val="000000"/>
+                </a:solidFill>
+                <a:effectLst/>
+                <a:latin typeface="Arial" panose="020B0604020202020204" pitchFamily="34" charset="0"/>
+              </a:rPr>
+              <a:t>=0.2 respectively. The angle is θ=60 deg and the radius of the yo-yo is r=0.03m. Take the initial angular velocity of the yo-yo to be ω=6 rad/sec.</a:t>
+            </a:r>
+            <a:endParaRPr lang="en-US" dirty="0"/>
+          </a:p>
+        </p:txBody>
+      </p:sp>
+      <p:pic>
+        <p:nvPicPr>
+          <p:cNvPr id="3074" name="Picture 2" descr="Problem 3 Diagram">
+            <a:extLst>
+              <a:ext uri="{FF2B5EF4-FFF2-40B4-BE49-F238E27FC236}">
+                <a16:creationId xmlns:a16="http://schemas.microsoft.com/office/drawing/2014/main" id="{3E2E3FD2-2E00-44B8-B792-68F63FB82E48}"/>
+              </a:ext>
+            </a:extLst>
+          </p:cNvPr>
+          <p:cNvPicPr>
+            <a:picLocks noChangeAspect="1" noChangeArrowheads="1"/>
+          </p:cNvPicPr>
+          <p:nvPr/>
+        </p:nvPicPr>
+        <p:blipFill>
+          <a:blip r:embed="rId2" cstate="print">
+            <a:extLst>
+              <a:ext uri="{28A0092B-C50C-407E-A947-70E740481C1C}">
+                <a14:useLocalDpi xmlns:a14="http://schemas.microsoft.com/office/drawing/2010/main" val="0"/>
+              </a:ext>
+            </a:extLst>
+          </a:blip>
+          <a:srcRect/>
+          <a:stretch>
+            <a:fillRect/>
+          </a:stretch>
+        </p:blipFill>
+        <p:spPr bwMode="auto">
+          <a:xfrm>
+            <a:off x="5638800" y="2590800"/>
+            <a:ext cx="3200400" cy="2840708"/>
+          </a:xfrm>
+          <a:prstGeom prst="rect">
+            <a:avLst/>
+          </a:prstGeom>
+          <a:noFill/>
+          <a:extLst>
+            <a:ext uri="{909E8E84-426E-40DD-AFC4-6F175D3DCCD1}">
+              <a14:hiddenFill xmlns:a14="http://schemas.microsoft.com/office/drawing/2010/main">
+                <a:solidFill>
+                  <a:srgbClr val="FFFFFF"/>
+                </a:solidFill>
+              </a14:hiddenFill>
+            </a:ext>
+          </a:extLst>
+        </p:spPr>
+      </p:pic>
+    </p:spTree>
+    <p:extLst>
+      <p:ext uri="{BB962C8B-B14F-4D97-AF65-F5344CB8AC3E}">
+        <p14:creationId xmlns:p14="http://schemas.microsoft.com/office/powerpoint/2010/main" val="1815285313"/>
       </p:ext>
     </p:extLst>
   </p:cSld>
@@ -9520,21 +10293,6 @@
 </file>
 
 <file path=customXml/item1.xml><?xml version="1.0" encoding="utf-8"?>
-<?mso-contentType ?>
-<FormTemplates xmlns="http://schemas.microsoft.com/sharepoint/v3/contenttype/forms">
-  <Display>DocumentLibraryForm</Display>
-  <Edit>DocumentLibraryForm</Edit>
-  <New>DocumentLibraryForm</New>
-</FormTemplates>
-</file>
-
-<file path=customXml/item2.xml><?xml version="1.0" encoding="utf-8"?>
-<p:properties xmlns:p="http://schemas.microsoft.com/office/2006/metadata/properties" xmlns:xsi="http://www.w3.org/2001/XMLSchema-instance" xmlns:pc="http://schemas.microsoft.com/office/infopath/2007/PartnerControls">
-  <documentManagement/>
-</p:properties>
-</file>
-
-<file path=customXml/item3.xml><?xml version="1.0" encoding="utf-8"?>
 <ct:contentTypeSchema xmlns:ct="http://schemas.microsoft.com/office/2006/metadata/contentType" xmlns:ma="http://schemas.microsoft.com/office/2006/metadata/properties/metaAttributes" ct:_="" ma:_="" ma:contentTypeName="Document" ma:contentTypeID="0x010100A06DF21F5BB2734A800ED30F3F452129" ma:contentTypeVersion="12" ma:contentTypeDescription="Create a new document." ma:contentTypeScope="" ma:versionID="544d96a5fbac5de9d5d902b535c73fb2">
   <xsd:schema xmlns:xsd="http://www.w3.org/2001/XMLSchema" xmlns:xs="http://www.w3.org/2001/XMLSchema" xmlns:p="http://schemas.microsoft.com/office/2006/metadata/properties" xmlns:ns3="90d05cb5-950f-4f68-bc2c-e17794455b92" xmlns:ns4="b4eab9fa-dbb0-4082-8491-8bd54207a265" targetNamespace="http://schemas.microsoft.com/office/2006/metadata/properties" ma:root="true" ma:fieldsID="7a710efc71c2169bf9c05e5a40dddf12" ns3:_="" ns4:_="">
     <xsd:import namespace="90d05cb5-950f-4f68-bc2c-e17794455b92"/>
@@ -9751,10 +10509,36 @@
 </ct:contentTypeSchema>
 </file>
 
+<file path=customXml/item2.xml><?xml version="1.0" encoding="utf-8"?>
+<p:properties xmlns:p="http://schemas.microsoft.com/office/2006/metadata/properties" xmlns:xsi="http://www.w3.org/2001/XMLSchema-instance" xmlns:pc="http://schemas.microsoft.com/office/infopath/2007/PartnerControls">
+  <documentManagement/>
+</p:properties>
+</file>
+
+<file path=customXml/item3.xml><?xml version="1.0" encoding="utf-8"?>
+<?mso-contentType ?>
+<FormTemplates xmlns="http://schemas.microsoft.com/sharepoint/v3/contenttype/forms">
+  <Display>DocumentLibraryForm</Display>
+  <Edit>DocumentLibraryForm</Edit>
+  <New>DocumentLibraryForm</New>
+</FormTemplates>
+</file>
+
 <file path=customXml/itemProps1.xml><?xml version="1.0" encoding="utf-8"?>
-<ds:datastoreItem xmlns:ds="http://schemas.openxmlformats.org/officeDocument/2006/customXml" ds:itemID="{F5CF5F32-56DC-4068-8B04-457CF34A96F3}">
+<ds:datastoreItem xmlns:ds="http://schemas.openxmlformats.org/officeDocument/2006/customXml" ds:itemID="{A43B8A4B-79FE-4529-931C-D64224FA70E3}">
   <ds:schemaRefs>
-    <ds:schemaRef ds:uri="http://schemas.microsoft.com/sharepoint/v3/contenttype/forms"/>
+    <ds:schemaRef ds:uri="http://schemas.microsoft.com/office/2006/metadata/contentType"/>
+    <ds:schemaRef ds:uri="http://schemas.microsoft.com/office/2006/metadata/properties/metaAttributes"/>
+    <ds:schemaRef ds:uri="http://www.w3.org/2001/XMLSchema"/>
+    <ds:schemaRef ds:uri="http://schemas.microsoft.com/office/2006/metadata/properties"/>
+    <ds:schemaRef ds:uri="90d05cb5-950f-4f68-bc2c-e17794455b92"/>
+    <ds:schemaRef ds:uri="b4eab9fa-dbb0-4082-8491-8bd54207a265"/>
+    <ds:schemaRef ds:uri="http://schemas.microsoft.com/office/2006/documentManagement/types"/>
+    <ds:schemaRef ds:uri="http://schemas.microsoft.com/office/infopath/2007/PartnerControls"/>
+    <ds:schemaRef ds:uri="http://schemas.openxmlformats.org/package/2006/metadata/core-properties"/>
+    <ds:schemaRef ds:uri="http://purl.org/dc/elements/1.1/"/>
+    <ds:schemaRef ds:uri="http://purl.org/dc/terms/"/>
+    <ds:schemaRef ds:uri="http://schemas.microsoft.com/internal/obd"/>
   </ds:schemaRefs>
 </ds:datastoreItem>
 </file>
@@ -9777,20 +10561,9 @@
 </file>
 
 <file path=customXml/itemProps3.xml><?xml version="1.0" encoding="utf-8"?>
-<ds:datastoreItem xmlns:ds="http://schemas.openxmlformats.org/officeDocument/2006/customXml" ds:itemID="{A43B8A4B-79FE-4529-931C-D64224FA70E3}">
+<ds:datastoreItem xmlns:ds="http://schemas.openxmlformats.org/officeDocument/2006/customXml" ds:itemID="{F5CF5F32-56DC-4068-8B04-457CF34A96F3}">
   <ds:schemaRefs>
-    <ds:schemaRef ds:uri="http://schemas.microsoft.com/office/2006/metadata/contentType"/>
-    <ds:schemaRef ds:uri="http://schemas.microsoft.com/office/2006/metadata/properties/metaAttributes"/>
-    <ds:schemaRef ds:uri="http://www.w3.org/2001/XMLSchema"/>
-    <ds:schemaRef ds:uri="http://schemas.microsoft.com/office/2006/metadata/properties"/>
-    <ds:schemaRef ds:uri="90d05cb5-950f-4f68-bc2c-e17794455b92"/>
-    <ds:schemaRef ds:uri="b4eab9fa-dbb0-4082-8491-8bd54207a265"/>
-    <ds:schemaRef ds:uri="http://schemas.microsoft.com/office/2006/documentManagement/types"/>
-    <ds:schemaRef ds:uri="http://schemas.microsoft.com/office/infopath/2007/PartnerControls"/>
-    <ds:schemaRef ds:uri="http://schemas.openxmlformats.org/package/2006/metadata/core-properties"/>
-    <ds:schemaRef ds:uri="http://purl.org/dc/elements/1.1/"/>
-    <ds:schemaRef ds:uri="http://purl.org/dc/terms/"/>
-    <ds:schemaRef ds:uri="http://schemas.microsoft.com/internal/obd"/>
+    <ds:schemaRef ds:uri="http://schemas.microsoft.com/sharepoint/v3/contenttype/forms"/>
   </ds:schemaRefs>
 </ds:datastoreItem>
 </file>